--- a/수업 자료/2 - C++ 메모리.pptx
+++ b/수업 자료/2 - C++ 메모리.pptx
@@ -1,6 +1,6 @@
 
 <file path=ppt/presentation.xml><?xml version="1.0" encoding="utf-8"?>
-<p:presentation xmlns:a="http://schemas.openxmlformats.org/drawingml/2006/main" xmlns:r="http://schemas.openxmlformats.org/officeDocument/2006/relationships" xmlns:p="http://schemas.openxmlformats.org/presentationml/2006/main" saveSubsetFonts="1">
+<p:presentation xmlns:a="http://schemas.openxmlformats.org/drawingml/2006/main" xmlns:r="http://schemas.openxmlformats.org/officeDocument/2006/relationships" xmlns:p="http://schemas.openxmlformats.org/presentationml/2006/main" embedTrueTypeFonts="1" saveSubsetFonts="1">
   <p:sldMasterIdLst>
     <p:sldMasterId id="2147483648" r:id="rId1"/>
   </p:sldMasterIdLst>
@@ -36,6 +36,24 @@
   </p:sldIdLst>
   <p:sldSz cx="12192000" cy="6858000"/>
   <p:notesSz cx="6858000" cy="9144000"/>
+  <p:embeddedFontLst>
+    <p:embeddedFont>
+      <p:font typeface="나눔고딕 Light" panose="020D0904000000000000" pitchFamily="50" charset="-127"/>
+      <p:regular r:id="rId30"/>
+    </p:embeddedFont>
+    <p:embeddedFont>
+      <p:font typeface="맑은 고딕" panose="020B0503020000020004" pitchFamily="50" charset="-127"/>
+      <p:regular r:id="rId31"/>
+      <p:bold r:id="rId32"/>
+    </p:embeddedFont>
+    <p:embeddedFont>
+      <p:font typeface="Consolas" panose="020B0609020204030204" pitchFamily="49" charset="0"/>
+      <p:regular r:id="rId33"/>
+      <p:bold r:id="rId34"/>
+      <p:italic r:id="rId35"/>
+      <p:boldItalic r:id="rId36"/>
+    </p:embeddedFont>
+  </p:embeddedFontLst>
   <p:defaultTextStyle>
     <a:defPPr>
       <a:defRPr lang="ko-KR"/>
@@ -286,7 +304,7 @@
           <a:p>
             <a:fld id="{3BAD717E-5B48-41D6-98B3-DB23E84BF0BC}" type="datetimeFigureOut">
               <a:rPr lang="ko-KR" altLang="en-US" smtClean="0"/>
-              <a:t>2021-07-28</a:t>
+              <a:t>2021-08-02</a:t>
             </a:fld>
             <a:endParaRPr lang="ko-KR" altLang="en-US"/>
           </a:p>
@@ -484,7 +502,7 @@
           <a:p>
             <a:fld id="{3BAD717E-5B48-41D6-98B3-DB23E84BF0BC}" type="datetimeFigureOut">
               <a:rPr lang="ko-KR" altLang="en-US" smtClean="0"/>
-              <a:t>2021-07-28</a:t>
+              <a:t>2021-08-02</a:t>
             </a:fld>
             <a:endParaRPr lang="ko-KR" altLang="en-US"/>
           </a:p>
@@ -692,7 +710,7 @@
           <a:p>
             <a:fld id="{3BAD717E-5B48-41D6-98B3-DB23E84BF0BC}" type="datetimeFigureOut">
               <a:rPr lang="ko-KR" altLang="en-US" smtClean="0"/>
-              <a:t>2021-07-28</a:t>
+              <a:t>2021-08-02</a:t>
             </a:fld>
             <a:endParaRPr lang="ko-KR" altLang="en-US"/>
           </a:p>
@@ -890,7 +908,7 @@
           <a:p>
             <a:fld id="{3BAD717E-5B48-41D6-98B3-DB23E84BF0BC}" type="datetimeFigureOut">
               <a:rPr lang="ko-KR" altLang="en-US" smtClean="0"/>
-              <a:t>2021-07-28</a:t>
+              <a:t>2021-08-02</a:t>
             </a:fld>
             <a:endParaRPr lang="ko-KR" altLang="en-US"/>
           </a:p>
@@ -1165,7 +1183,7 @@
           <a:p>
             <a:fld id="{3BAD717E-5B48-41D6-98B3-DB23E84BF0BC}" type="datetimeFigureOut">
               <a:rPr lang="ko-KR" altLang="en-US" smtClean="0"/>
-              <a:t>2021-07-28</a:t>
+              <a:t>2021-08-02</a:t>
             </a:fld>
             <a:endParaRPr lang="ko-KR" altLang="en-US"/>
           </a:p>
@@ -1430,7 +1448,7 @@
           <a:p>
             <a:fld id="{3BAD717E-5B48-41D6-98B3-DB23E84BF0BC}" type="datetimeFigureOut">
               <a:rPr lang="ko-KR" altLang="en-US" smtClean="0"/>
-              <a:t>2021-07-28</a:t>
+              <a:t>2021-08-02</a:t>
             </a:fld>
             <a:endParaRPr lang="ko-KR" altLang="en-US"/>
           </a:p>
@@ -1842,7 +1860,7 @@
           <a:p>
             <a:fld id="{3BAD717E-5B48-41D6-98B3-DB23E84BF0BC}" type="datetimeFigureOut">
               <a:rPr lang="ko-KR" altLang="en-US" smtClean="0"/>
-              <a:t>2021-07-28</a:t>
+              <a:t>2021-08-02</a:t>
             </a:fld>
             <a:endParaRPr lang="ko-KR" altLang="en-US"/>
           </a:p>
@@ -1983,7 +2001,7 @@
           <a:p>
             <a:fld id="{3BAD717E-5B48-41D6-98B3-DB23E84BF0BC}" type="datetimeFigureOut">
               <a:rPr lang="ko-KR" altLang="en-US" smtClean="0"/>
-              <a:t>2021-07-28</a:t>
+              <a:t>2021-08-02</a:t>
             </a:fld>
             <a:endParaRPr lang="ko-KR" altLang="en-US"/>
           </a:p>
@@ -2096,7 +2114,7 @@
           <a:p>
             <a:fld id="{3BAD717E-5B48-41D6-98B3-DB23E84BF0BC}" type="datetimeFigureOut">
               <a:rPr lang="ko-KR" altLang="en-US" smtClean="0"/>
-              <a:t>2021-07-28</a:t>
+              <a:t>2021-08-02</a:t>
             </a:fld>
             <a:endParaRPr lang="ko-KR" altLang="en-US"/>
           </a:p>
@@ -2407,7 +2425,7 @@
           <a:p>
             <a:fld id="{3BAD717E-5B48-41D6-98B3-DB23E84BF0BC}" type="datetimeFigureOut">
               <a:rPr lang="ko-KR" altLang="en-US" smtClean="0"/>
-              <a:t>2021-07-28</a:t>
+              <a:t>2021-08-02</a:t>
             </a:fld>
             <a:endParaRPr lang="ko-KR" altLang="en-US"/>
           </a:p>
@@ -2695,7 +2713,7 @@
           <a:p>
             <a:fld id="{3BAD717E-5B48-41D6-98B3-DB23E84BF0BC}" type="datetimeFigureOut">
               <a:rPr lang="ko-KR" altLang="en-US" smtClean="0"/>
-              <a:t>2021-07-28</a:t>
+              <a:t>2021-08-02</a:t>
             </a:fld>
             <a:endParaRPr lang="ko-KR" altLang="en-US"/>
           </a:p>
@@ -2936,7 +2954,7 @@
           <a:p>
             <a:fld id="{3BAD717E-5B48-41D6-98B3-DB23E84BF0BC}" type="datetimeFigureOut">
               <a:rPr lang="ko-KR" altLang="en-US" smtClean="0"/>
-              <a:t>2021-07-28</a:t>
+              <a:t>2021-08-02</a:t>
             </a:fld>
             <a:endParaRPr lang="ko-KR" altLang="en-US"/>
           </a:p>

--- a/수업 자료/2 - C++ 메모리.pptx
+++ b/수업 자료/2 - C++ 메모리.pptx
@@ -38,20 +38,20 @@
   <p:notesSz cx="6858000" cy="9144000"/>
   <p:embeddedFontLst>
     <p:embeddedFont>
+      <p:font typeface="Consolas" panose="020B0609020204030204" pitchFamily="49" charset="0"/>
+      <p:regular r:id="rId30"/>
+      <p:bold r:id="rId31"/>
+      <p:italic r:id="rId32"/>
+      <p:boldItalic r:id="rId33"/>
+    </p:embeddedFont>
+    <p:embeddedFont>
       <p:font typeface="나눔고딕 Light" panose="020D0904000000000000" pitchFamily="50" charset="-127"/>
-      <p:regular r:id="rId30"/>
+      <p:regular r:id="rId34"/>
     </p:embeddedFont>
     <p:embeddedFont>
       <p:font typeface="맑은 고딕" panose="020B0503020000020004" pitchFamily="50" charset="-127"/>
-      <p:regular r:id="rId31"/>
-      <p:bold r:id="rId32"/>
-    </p:embeddedFont>
-    <p:embeddedFont>
-      <p:font typeface="Consolas" panose="020B0609020204030204" pitchFamily="49" charset="0"/>
-      <p:regular r:id="rId33"/>
-      <p:bold r:id="rId34"/>
-      <p:italic r:id="rId35"/>
-      <p:boldItalic r:id="rId36"/>
+      <p:regular r:id="rId35"/>
+      <p:bold r:id="rId36"/>
     </p:embeddedFont>
   </p:embeddedFontLst>
   <p:defaultTextStyle>
@@ -304,7 +304,7 @@
           <a:p>
             <a:fld id="{3BAD717E-5B48-41D6-98B3-DB23E84BF0BC}" type="datetimeFigureOut">
               <a:rPr lang="ko-KR" altLang="en-US" smtClean="0"/>
-              <a:t>2021-08-02</a:t>
+              <a:t>2021-08-03</a:t>
             </a:fld>
             <a:endParaRPr lang="ko-KR" altLang="en-US"/>
           </a:p>
@@ -502,7 +502,7 @@
           <a:p>
             <a:fld id="{3BAD717E-5B48-41D6-98B3-DB23E84BF0BC}" type="datetimeFigureOut">
               <a:rPr lang="ko-KR" altLang="en-US" smtClean="0"/>
-              <a:t>2021-08-02</a:t>
+              <a:t>2021-08-03</a:t>
             </a:fld>
             <a:endParaRPr lang="ko-KR" altLang="en-US"/>
           </a:p>
@@ -710,7 +710,7 @@
           <a:p>
             <a:fld id="{3BAD717E-5B48-41D6-98B3-DB23E84BF0BC}" type="datetimeFigureOut">
               <a:rPr lang="ko-KR" altLang="en-US" smtClean="0"/>
-              <a:t>2021-08-02</a:t>
+              <a:t>2021-08-03</a:t>
             </a:fld>
             <a:endParaRPr lang="ko-KR" altLang="en-US"/>
           </a:p>
@@ -908,7 +908,7 @@
           <a:p>
             <a:fld id="{3BAD717E-5B48-41D6-98B3-DB23E84BF0BC}" type="datetimeFigureOut">
               <a:rPr lang="ko-KR" altLang="en-US" smtClean="0"/>
-              <a:t>2021-08-02</a:t>
+              <a:t>2021-08-03</a:t>
             </a:fld>
             <a:endParaRPr lang="ko-KR" altLang="en-US"/>
           </a:p>
@@ -1183,7 +1183,7 @@
           <a:p>
             <a:fld id="{3BAD717E-5B48-41D6-98B3-DB23E84BF0BC}" type="datetimeFigureOut">
               <a:rPr lang="ko-KR" altLang="en-US" smtClean="0"/>
-              <a:t>2021-08-02</a:t>
+              <a:t>2021-08-03</a:t>
             </a:fld>
             <a:endParaRPr lang="ko-KR" altLang="en-US"/>
           </a:p>
@@ -1448,7 +1448,7 @@
           <a:p>
             <a:fld id="{3BAD717E-5B48-41D6-98B3-DB23E84BF0BC}" type="datetimeFigureOut">
               <a:rPr lang="ko-KR" altLang="en-US" smtClean="0"/>
-              <a:t>2021-08-02</a:t>
+              <a:t>2021-08-03</a:t>
             </a:fld>
             <a:endParaRPr lang="ko-KR" altLang="en-US"/>
           </a:p>
@@ -1860,7 +1860,7 @@
           <a:p>
             <a:fld id="{3BAD717E-5B48-41D6-98B3-DB23E84BF0BC}" type="datetimeFigureOut">
               <a:rPr lang="ko-KR" altLang="en-US" smtClean="0"/>
-              <a:t>2021-08-02</a:t>
+              <a:t>2021-08-03</a:t>
             </a:fld>
             <a:endParaRPr lang="ko-KR" altLang="en-US"/>
           </a:p>
@@ -2001,7 +2001,7 @@
           <a:p>
             <a:fld id="{3BAD717E-5B48-41D6-98B3-DB23E84BF0BC}" type="datetimeFigureOut">
               <a:rPr lang="ko-KR" altLang="en-US" smtClean="0"/>
-              <a:t>2021-08-02</a:t>
+              <a:t>2021-08-03</a:t>
             </a:fld>
             <a:endParaRPr lang="ko-KR" altLang="en-US"/>
           </a:p>
@@ -2114,7 +2114,7 @@
           <a:p>
             <a:fld id="{3BAD717E-5B48-41D6-98B3-DB23E84BF0BC}" type="datetimeFigureOut">
               <a:rPr lang="ko-KR" altLang="en-US" smtClean="0"/>
-              <a:t>2021-08-02</a:t>
+              <a:t>2021-08-03</a:t>
             </a:fld>
             <a:endParaRPr lang="ko-KR" altLang="en-US"/>
           </a:p>
@@ -2425,7 +2425,7 @@
           <a:p>
             <a:fld id="{3BAD717E-5B48-41D6-98B3-DB23E84BF0BC}" type="datetimeFigureOut">
               <a:rPr lang="ko-KR" altLang="en-US" smtClean="0"/>
-              <a:t>2021-08-02</a:t>
+              <a:t>2021-08-03</a:t>
             </a:fld>
             <a:endParaRPr lang="ko-KR" altLang="en-US"/>
           </a:p>
@@ -2713,7 +2713,7 @@
           <a:p>
             <a:fld id="{3BAD717E-5B48-41D6-98B3-DB23E84BF0BC}" type="datetimeFigureOut">
               <a:rPr lang="ko-KR" altLang="en-US" smtClean="0"/>
-              <a:t>2021-08-02</a:t>
+              <a:t>2021-08-03</a:t>
             </a:fld>
             <a:endParaRPr lang="ko-KR" altLang="en-US"/>
           </a:p>
@@ -2954,7 +2954,7 @@
           <a:p>
             <a:fld id="{3BAD717E-5B48-41D6-98B3-DB23E84BF0BC}" type="datetimeFigureOut">
               <a:rPr lang="ko-KR" altLang="en-US" smtClean="0"/>
-              <a:t>2021-08-02</a:t>
+              <a:t>2021-08-03</a:t>
             </a:fld>
             <a:endParaRPr lang="ko-KR" altLang="en-US"/>
           </a:p>
@@ -10666,7 +10666,7 @@
                 <a:latin typeface="나눔고딕 Light" panose="020D0904000000000000" pitchFamily="50" charset="-127"/>
                 <a:ea typeface="나눔고딕 Light" panose="020D0904000000000000" pitchFamily="50" charset="-127"/>
               </a:rPr>
-              <a:t>이 둘은 같은 값을 같지만 다른 메모리 주소를 나타냄</a:t>
+              <a:t>이 둘은 같은 값을 갖지만 다른 메모리 주소를 나타냄</a:t>
             </a:r>
             <a:endParaRPr lang="en-US" altLang="ko-KR" sz="2000">
               <a:latin typeface="나눔고딕 Light" panose="020D0904000000000000" pitchFamily="50" charset="-127"/>
@@ -20252,9 +20252,9 @@
         <p:grpSpPr>
           <a:xfrm>
             <a:off x="585195" y="602369"/>
-            <a:ext cx="7002238" cy="2033762"/>
+            <a:ext cx="6392818" cy="1725985"/>
             <a:chOff x="585195" y="602369"/>
-            <a:chExt cx="7002238" cy="2033762"/>
+            <a:chExt cx="6392818" cy="1725985"/>
           </a:xfrm>
         </p:grpSpPr>
         <p:grpSp>
@@ -20272,9 +20272,9 @@
           <p:grpSpPr>
             <a:xfrm>
               <a:off x="585195" y="602369"/>
-              <a:ext cx="7002238" cy="2033762"/>
+              <a:ext cx="5989460" cy="1725985"/>
               <a:chOff x="585195" y="602369"/>
-              <a:chExt cx="7002238" cy="2033762"/>
+              <a:chExt cx="5989460" cy="1725985"/>
             </a:xfrm>
           </p:grpSpPr>
           <p:sp>
@@ -20331,7 +20331,7 @@
             <p:spPr>
               <a:xfrm>
                 <a:off x="585195" y="1620468"/>
-                <a:ext cx="7002238" cy="1015663"/>
+                <a:ext cx="3595856" cy="707886"/>
               </a:xfrm>
               <a:prstGeom prst="rect">
                 <a:avLst/>
@@ -20352,7 +20352,7 @@
                     <a:latin typeface="나눔고딕 Light" panose="020D0904000000000000" pitchFamily="50" charset="-127"/>
                     <a:ea typeface="나눔고딕 Light" panose="020D0904000000000000" pitchFamily="50" charset="-127"/>
                   </a:rPr>
-                  <a:t>노드를 이용하여 연결 리스트 구현</a:t>
+                  <a:t>연결 리스트 클래스 구현</a:t>
                 </a:r>
                 <a:endParaRPr lang="en-US" altLang="ko-KR" sz="2000">
                   <a:latin typeface="나눔고딕 Light" panose="020D0904000000000000" pitchFamily="50" charset="-127"/>
@@ -20369,36 +20369,6 @@
                     <a:ea typeface="나눔고딕 Light" panose="020D0904000000000000" pitchFamily="50" charset="-127"/>
                   </a:rPr>
                   <a:t>push, get, set </a:t>
-                </a:r>
-                <a:r>
-                  <a:rPr lang="ko-KR" altLang="en-US" sz="2000">
-                    <a:latin typeface="나눔고딕 Light" panose="020D0904000000000000" pitchFamily="50" charset="-127"/>
-                    <a:ea typeface="나눔고딕 Light" panose="020D0904000000000000" pitchFamily="50" charset="-127"/>
-                  </a:rPr>
-                  <a:t>메소드 구현</a:t>
-                </a:r>
-                <a:endParaRPr lang="en-US" altLang="ko-KR" sz="2000">
-                  <a:latin typeface="나눔고딕 Light" panose="020D0904000000000000" pitchFamily="50" charset="-127"/>
-                  <a:ea typeface="나눔고딕 Light" panose="020D0904000000000000" pitchFamily="50" charset="-127"/>
-                </a:endParaRPr>
-              </a:p>
-              <a:p>
-                <a:pPr marL="457200" indent="-457200">
-                  <a:buAutoNum type="arabicPeriod"/>
-                </a:pPr>
-                <a:r>
-                  <a:rPr lang="ko-KR" altLang="en-US" sz="2000">
-                    <a:latin typeface="나눔고딕 Light" panose="020D0904000000000000" pitchFamily="50" charset="-127"/>
-                    <a:ea typeface="나눔고딕 Light" panose="020D0904000000000000" pitchFamily="50" charset="-127"/>
-                  </a:rPr>
-                  <a:t>연결 리스트의 특정 인덱스를 잘라내는 </a:t>
-                </a:r>
-                <a:r>
-                  <a:rPr lang="en-US" altLang="ko-KR" sz="2000">
-                    <a:latin typeface="나눔고딕 Light" panose="020D0904000000000000" pitchFamily="50" charset="-127"/>
-                    <a:ea typeface="나눔고딕 Light" panose="020D0904000000000000" pitchFamily="50" charset="-127"/>
-                  </a:rPr>
-                  <a:t>delete </a:t>
                 </a:r>
                 <a:r>
                   <a:rPr lang="ko-KR" altLang="en-US" sz="2000">
@@ -20553,7 +20523,7 @@
             <p:spPr>
               <a:xfrm>
                 <a:off x="585195" y="1620468"/>
-                <a:ext cx="4528804" cy="707886"/>
+                <a:ext cx="5415265" cy="707886"/>
               </a:xfrm>
               <a:prstGeom prst="rect">
                 <a:avLst/>
@@ -20593,18 +20563,25 @@
                   <a:buAutoNum type="arabicPeriod"/>
                 </a:pPr>
                 <a:r>
+                  <a:rPr lang="ko-KR" altLang="en-US" sz="2000">
+                    <a:latin typeface="나눔고딕 Light" panose="020D0904000000000000" pitchFamily="50" charset="-127"/>
+                    <a:ea typeface="나눔고딕 Light" panose="020D0904000000000000" pitchFamily="50" charset="-127"/>
+                  </a:rPr>
+                  <a:t>특정 인덱스를 잘라내는 </a:t>
+                </a:r>
+                <a:r>
                   <a:rPr lang="en-US" altLang="ko-KR" sz="2000">
                     <a:latin typeface="나눔고딕 Light" panose="020D0904000000000000" pitchFamily="50" charset="-127"/>
                     <a:ea typeface="나눔고딕 Light" panose="020D0904000000000000" pitchFamily="50" charset="-127"/>
                   </a:rPr>
-                  <a:t>2</a:t>
+                  <a:t>delete </a:t>
                 </a:r>
                 <a:r>
                   <a:rPr lang="ko-KR" altLang="en-US" sz="2000">
                     <a:latin typeface="나눔고딕 Light" panose="020D0904000000000000" pitchFamily="50" charset="-127"/>
                     <a:ea typeface="나눔고딕 Light" panose="020D0904000000000000" pitchFamily="50" charset="-127"/>
                   </a:rPr>
-                  <a:t>차원 리스트를 연결 리스트로 구현</a:t>
+                  <a:t>메소드 구현</a:t>
                 </a:r>
                 <a:endParaRPr lang="en-US" altLang="ko-KR" sz="2000">
                   <a:latin typeface="나눔고딕 Light" panose="020D0904000000000000" pitchFamily="50" charset="-127"/>

--- a/수업 자료/2 - C++ 메모리.pptx
+++ b/수업 자료/2 - C++ 메모리.pptx
@@ -20523,7 +20523,7 @@
             <p:spPr>
               <a:xfrm>
                 <a:off x="585195" y="1620468"/>
-                <a:ext cx="5415265" cy="707886"/>
+                <a:ext cx="5497018" cy="707886"/>
               </a:xfrm>
               <a:prstGeom prst="rect">
                 <a:avLst/>
@@ -20574,7 +20574,7 @@
                     <a:latin typeface="나눔고딕 Light" panose="020D0904000000000000" pitchFamily="50" charset="-127"/>
                     <a:ea typeface="나눔고딕 Light" panose="020D0904000000000000" pitchFamily="50" charset="-127"/>
                   </a:rPr>
-                  <a:t>delete </a:t>
+                  <a:t>remove </a:t>
                 </a:r>
                 <a:r>
                   <a:rPr lang="ko-KR" altLang="en-US" sz="2000">
